--- a/ppt 16-9/1214.新年快乐.pptx
+++ b/ppt 16-9/1214.新年快乐.pptx
@@ -129,7 +129,7 @@
           <p:cNvPr id="2" name="标题 1">
             <a:extLst>
               <a:ext uri="{FF2B5EF4-FFF2-40B4-BE49-F238E27FC236}">
-                <a16:creationId xmlns:a16="http://schemas.microsoft.com/office/drawing/2014/main" id="{31810E7B-7C65-8638-3EE1-632BAB84F35D}"/>
+                <a16:creationId xmlns:a16="http://schemas.microsoft.com/office/drawing/2014/main" id="{129D4BC5-CAF9-7EAB-02E2-79EE76D3AC3F}"/>
               </a:ext>
             </a:extLst>
           </p:cNvPr>
@@ -166,7 +166,7 @@
           <p:cNvPr id="3" name="副标题 2">
             <a:extLst>
               <a:ext uri="{FF2B5EF4-FFF2-40B4-BE49-F238E27FC236}">
-                <a16:creationId xmlns:a16="http://schemas.microsoft.com/office/drawing/2014/main" id="{D50D1CF5-DA39-85C4-9A87-7834DC00E63C}"/>
+                <a16:creationId xmlns:a16="http://schemas.microsoft.com/office/drawing/2014/main" id="{55F00F08-F252-370A-9306-674CDAB62CB7}"/>
               </a:ext>
             </a:extLst>
           </p:cNvPr>
@@ -236,7 +236,7 @@
           <p:cNvPr id="4" name="日期占位符 3">
             <a:extLst>
               <a:ext uri="{FF2B5EF4-FFF2-40B4-BE49-F238E27FC236}">
-                <a16:creationId xmlns:a16="http://schemas.microsoft.com/office/drawing/2014/main" id="{69CE969C-150F-16FB-5CD8-63E81E442AEA}"/>
+                <a16:creationId xmlns:a16="http://schemas.microsoft.com/office/drawing/2014/main" id="{C42C4D1D-6170-47B9-92FA-7DF63B9A2350}"/>
               </a:ext>
             </a:extLst>
           </p:cNvPr>
@@ -252,7 +252,7 @@
           <a:bodyPr/>
           <a:lstStyle/>
           <a:p>
-            <a:fld id="{01A285DA-F9D5-429A-802F-77B6E94F90A3}" type="datetimeFigureOut">
+            <a:fld id="{D825A296-30DF-4468-9E10-C983528B209A}" type="datetimeFigureOut">
               <a:rPr lang="zh-CN" altLang="en-US" smtClean="0"/>
               <a:t>2024/3/10</a:t>
             </a:fld>
@@ -265,7 +265,7 @@
           <p:cNvPr id="5" name="页脚占位符 4">
             <a:extLst>
               <a:ext uri="{FF2B5EF4-FFF2-40B4-BE49-F238E27FC236}">
-                <a16:creationId xmlns:a16="http://schemas.microsoft.com/office/drawing/2014/main" id="{8F136C86-9981-3396-0000-B843546D4E21}"/>
+                <a16:creationId xmlns:a16="http://schemas.microsoft.com/office/drawing/2014/main" id="{037A2610-DC31-0D36-A518-33A54D36A93E}"/>
               </a:ext>
             </a:extLst>
           </p:cNvPr>
@@ -290,7 +290,7 @@
           <p:cNvPr id="6" name="灯片编号占位符 5">
             <a:extLst>
               <a:ext uri="{FF2B5EF4-FFF2-40B4-BE49-F238E27FC236}">
-                <a16:creationId xmlns:a16="http://schemas.microsoft.com/office/drawing/2014/main" id="{131E3C76-61A2-E042-0AF2-403E6387AE6D}"/>
+                <a16:creationId xmlns:a16="http://schemas.microsoft.com/office/drawing/2014/main" id="{00751514-A945-353A-F19C-46D4F0E72817}"/>
               </a:ext>
             </a:extLst>
           </p:cNvPr>
@@ -306,7 +306,7 @@
           <a:bodyPr/>
           <a:lstStyle/>
           <a:p>
-            <a:fld id="{7916BD6D-760A-45C6-8935-300A04B892B7}" type="slidenum">
+            <a:fld id="{168EF2E6-8570-41F5-9056-77A1B25E542A}" type="slidenum">
               <a:rPr lang="zh-CN" altLang="en-US" smtClean="0"/>
               <a:t>‹#›</a:t>
             </a:fld>
@@ -317,7 +317,7 @@
     </p:spTree>
     <p:extLst>
       <p:ext uri="{BB962C8B-B14F-4D97-AF65-F5344CB8AC3E}">
-        <p14:creationId xmlns:p14="http://schemas.microsoft.com/office/powerpoint/2010/main" val="3471781007"/>
+        <p14:creationId xmlns:p14="http://schemas.microsoft.com/office/powerpoint/2010/main" val="3695676678"/>
       </p:ext>
     </p:extLst>
   </p:cSld>
@@ -349,7 +349,7 @@
           <p:cNvPr id="2" name="标题 1">
             <a:extLst>
               <a:ext uri="{FF2B5EF4-FFF2-40B4-BE49-F238E27FC236}">
-                <a16:creationId xmlns:a16="http://schemas.microsoft.com/office/drawing/2014/main" id="{45474465-0E6B-AB39-C46E-3C2C3160EC80}"/>
+                <a16:creationId xmlns:a16="http://schemas.microsoft.com/office/drawing/2014/main" id="{481F1767-42BE-C4A7-CDA4-39CE1EB6031C}"/>
               </a:ext>
             </a:extLst>
           </p:cNvPr>
@@ -377,7 +377,7 @@
           <p:cNvPr id="3" name="竖排文字占位符 2">
             <a:extLst>
               <a:ext uri="{FF2B5EF4-FFF2-40B4-BE49-F238E27FC236}">
-                <a16:creationId xmlns:a16="http://schemas.microsoft.com/office/drawing/2014/main" id="{FAD56805-A821-A67E-8216-D80B69542AE8}"/>
+                <a16:creationId xmlns:a16="http://schemas.microsoft.com/office/drawing/2014/main" id="{A895DDC2-5806-5279-6924-C201FA0220B6}"/>
               </a:ext>
             </a:extLst>
           </p:cNvPr>
@@ -434,7 +434,7 @@
           <p:cNvPr id="4" name="日期占位符 3">
             <a:extLst>
               <a:ext uri="{FF2B5EF4-FFF2-40B4-BE49-F238E27FC236}">
-                <a16:creationId xmlns:a16="http://schemas.microsoft.com/office/drawing/2014/main" id="{179CDA15-89D5-B365-3F7D-D9F3A1148D2E}"/>
+                <a16:creationId xmlns:a16="http://schemas.microsoft.com/office/drawing/2014/main" id="{06D2E3F3-86B2-F63F-8E11-C39866DFD271}"/>
               </a:ext>
             </a:extLst>
           </p:cNvPr>
@@ -450,7 +450,7 @@
           <a:bodyPr/>
           <a:lstStyle/>
           <a:p>
-            <a:fld id="{01A285DA-F9D5-429A-802F-77B6E94F90A3}" type="datetimeFigureOut">
+            <a:fld id="{D825A296-30DF-4468-9E10-C983528B209A}" type="datetimeFigureOut">
               <a:rPr lang="zh-CN" altLang="en-US" smtClean="0"/>
               <a:t>2024/3/10</a:t>
             </a:fld>
@@ -463,7 +463,7 @@
           <p:cNvPr id="5" name="页脚占位符 4">
             <a:extLst>
               <a:ext uri="{FF2B5EF4-FFF2-40B4-BE49-F238E27FC236}">
-                <a16:creationId xmlns:a16="http://schemas.microsoft.com/office/drawing/2014/main" id="{69929254-C1A7-C28E-AF94-5D63C26D5B27}"/>
+                <a16:creationId xmlns:a16="http://schemas.microsoft.com/office/drawing/2014/main" id="{FDFD1322-2DDD-30DC-0758-1B48A987B133}"/>
               </a:ext>
             </a:extLst>
           </p:cNvPr>
@@ -488,7 +488,7 @@
           <p:cNvPr id="6" name="灯片编号占位符 5">
             <a:extLst>
               <a:ext uri="{FF2B5EF4-FFF2-40B4-BE49-F238E27FC236}">
-                <a16:creationId xmlns:a16="http://schemas.microsoft.com/office/drawing/2014/main" id="{ADE0D2B0-AA1E-6124-06F8-FE96A3243631}"/>
+                <a16:creationId xmlns:a16="http://schemas.microsoft.com/office/drawing/2014/main" id="{945EC75B-D19C-EC62-6B58-E0BB79A335AD}"/>
               </a:ext>
             </a:extLst>
           </p:cNvPr>
@@ -504,7 +504,7 @@
           <a:bodyPr/>
           <a:lstStyle/>
           <a:p>
-            <a:fld id="{7916BD6D-760A-45C6-8935-300A04B892B7}" type="slidenum">
+            <a:fld id="{168EF2E6-8570-41F5-9056-77A1B25E542A}" type="slidenum">
               <a:rPr lang="zh-CN" altLang="en-US" smtClean="0"/>
               <a:t>‹#›</a:t>
             </a:fld>
@@ -515,7 +515,7 @@
     </p:spTree>
     <p:extLst>
       <p:ext uri="{BB962C8B-B14F-4D97-AF65-F5344CB8AC3E}">
-        <p14:creationId xmlns:p14="http://schemas.microsoft.com/office/powerpoint/2010/main" val="3350352954"/>
+        <p14:creationId xmlns:p14="http://schemas.microsoft.com/office/powerpoint/2010/main" val="849927046"/>
       </p:ext>
     </p:extLst>
   </p:cSld>
@@ -547,7 +547,7 @@
           <p:cNvPr id="2" name="竖排标题 1">
             <a:extLst>
               <a:ext uri="{FF2B5EF4-FFF2-40B4-BE49-F238E27FC236}">
-                <a16:creationId xmlns:a16="http://schemas.microsoft.com/office/drawing/2014/main" id="{57C1200C-E851-D6C9-2A02-BDB16C67186C}"/>
+                <a16:creationId xmlns:a16="http://schemas.microsoft.com/office/drawing/2014/main" id="{C3524900-2B69-9EDD-93C6-06AF3F83BB17}"/>
               </a:ext>
             </a:extLst>
           </p:cNvPr>
@@ -580,7 +580,7 @@
           <p:cNvPr id="3" name="竖排文字占位符 2">
             <a:extLst>
               <a:ext uri="{FF2B5EF4-FFF2-40B4-BE49-F238E27FC236}">
-                <a16:creationId xmlns:a16="http://schemas.microsoft.com/office/drawing/2014/main" id="{4D3F4AC7-DAF6-6457-76E2-1131E0F2925B}"/>
+                <a16:creationId xmlns:a16="http://schemas.microsoft.com/office/drawing/2014/main" id="{D0ED7901-C3CE-168B-659C-240495D4FCBC}"/>
               </a:ext>
             </a:extLst>
           </p:cNvPr>
@@ -642,7 +642,7 @@
           <p:cNvPr id="4" name="日期占位符 3">
             <a:extLst>
               <a:ext uri="{FF2B5EF4-FFF2-40B4-BE49-F238E27FC236}">
-                <a16:creationId xmlns:a16="http://schemas.microsoft.com/office/drawing/2014/main" id="{2E4C3599-7E64-5181-13BE-CCF08BCCC4CA}"/>
+                <a16:creationId xmlns:a16="http://schemas.microsoft.com/office/drawing/2014/main" id="{07E99183-F0C9-3FD9-CF25-BF81472C96BA}"/>
               </a:ext>
             </a:extLst>
           </p:cNvPr>
@@ -658,7 +658,7 @@
           <a:bodyPr/>
           <a:lstStyle/>
           <a:p>
-            <a:fld id="{01A285DA-F9D5-429A-802F-77B6E94F90A3}" type="datetimeFigureOut">
+            <a:fld id="{D825A296-30DF-4468-9E10-C983528B209A}" type="datetimeFigureOut">
               <a:rPr lang="zh-CN" altLang="en-US" smtClean="0"/>
               <a:t>2024/3/10</a:t>
             </a:fld>
@@ -671,7 +671,7 @@
           <p:cNvPr id="5" name="页脚占位符 4">
             <a:extLst>
               <a:ext uri="{FF2B5EF4-FFF2-40B4-BE49-F238E27FC236}">
-                <a16:creationId xmlns:a16="http://schemas.microsoft.com/office/drawing/2014/main" id="{7F4EB495-6DA1-700E-0FCB-A4A7FEA259E3}"/>
+                <a16:creationId xmlns:a16="http://schemas.microsoft.com/office/drawing/2014/main" id="{A932D783-9D95-83DB-90B1-80F57A237EC5}"/>
               </a:ext>
             </a:extLst>
           </p:cNvPr>
@@ -696,7 +696,7 @@
           <p:cNvPr id="6" name="灯片编号占位符 5">
             <a:extLst>
               <a:ext uri="{FF2B5EF4-FFF2-40B4-BE49-F238E27FC236}">
-                <a16:creationId xmlns:a16="http://schemas.microsoft.com/office/drawing/2014/main" id="{BC4FFB9D-D450-8AF4-49A5-B1FE2181C5CB}"/>
+                <a16:creationId xmlns:a16="http://schemas.microsoft.com/office/drawing/2014/main" id="{9409BE5A-F6D5-7AC0-E027-A68D7672985B}"/>
               </a:ext>
             </a:extLst>
           </p:cNvPr>
@@ -712,7 +712,7 @@
           <a:bodyPr/>
           <a:lstStyle/>
           <a:p>
-            <a:fld id="{7916BD6D-760A-45C6-8935-300A04B892B7}" type="slidenum">
+            <a:fld id="{168EF2E6-8570-41F5-9056-77A1B25E542A}" type="slidenum">
               <a:rPr lang="zh-CN" altLang="en-US" smtClean="0"/>
               <a:t>‹#›</a:t>
             </a:fld>
@@ -723,7 +723,7 @@
     </p:spTree>
     <p:extLst>
       <p:ext uri="{BB962C8B-B14F-4D97-AF65-F5344CB8AC3E}">
-        <p14:creationId xmlns:p14="http://schemas.microsoft.com/office/powerpoint/2010/main" val="2334340610"/>
+        <p14:creationId xmlns:p14="http://schemas.microsoft.com/office/powerpoint/2010/main" val="1541824395"/>
       </p:ext>
     </p:extLst>
   </p:cSld>
@@ -755,7 +755,7 @@
           <p:cNvPr id="2" name="标题 1">
             <a:extLst>
               <a:ext uri="{FF2B5EF4-FFF2-40B4-BE49-F238E27FC236}">
-                <a16:creationId xmlns:a16="http://schemas.microsoft.com/office/drawing/2014/main" id="{68851B92-5CE6-6C9F-8695-2F8B7BF60A5D}"/>
+                <a16:creationId xmlns:a16="http://schemas.microsoft.com/office/drawing/2014/main" id="{8A303221-7147-2CDB-3851-78F45A7AF8FF}"/>
               </a:ext>
             </a:extLst>
           </p:cNvPr>
@@ -783,7 +783,7 @@
           <p:cNvPr id="3" name="内容占位符 2">
             <a:extLst>
               <a:ext uri="{FF2B5EF4-FFF2-40B4-BE49-F238E27FC236}">
-                <a16:creationId xmlns:a16="http://schemas.microsoft.com/office/drawing/2014/main" id="{B296D92D-79FD-8824-D90C-B557C6FB738B}"/>
+                <a16:creationId xmlns:a16="http://schemas.microsoft.com/office/drawing/2014/main" id="{8656598D-E587-5A46-8A37-A126A442AADE}"/>
               </a:ext>
             </a:extLst>
           </p:cNvPr>
@@ -840,7 +840,7 @@
           <p:cNvPr id="4" name="日期占位符 3">
             <a:extLst>
               <a:ext uri="{FF2B5EF4-FFF2-40B4-BE49-F238E27FC236}">
-                <a16:creationId xmlns:a16="http://schemas.microsoft.com/office/drawing/2014/main" id="{E17CE9BA-0E8B-CF4D-C134-CAA551255C49}"/>
+                <a16:creationId xmlns:a16="http://schemas.microsoft.com/office/drawing/2014/main" id="{1B839005-8F81-6047-D93B-4B93FD232E4F}"/>
               </a:ext>
             </a:extLst>
           </p:cNvPr>
@@ -856,7 +856,7 @@
           <a:bodyPr/>
           <a:lstStyle/>
           <a:p>
-            <a:fld id="{01A285DA-F9D5-429A-802F-77B6E94F90A3}" type="datetimeFigureOut">
+            <a:fld id="{D825A296-30DF-4468-9E10-C983528B209A}" type="datetimeFigureOut">
               <a:rPr lang="zh-CN" altLang="en-US" smtClean="0"/>
               <a:t>2024/3/10</a:t>
             </a:fld>
@@ -869,7 +869,7 @@
           <p:cNvPr id="5" name="页脚占位符 4">
             <a:extLst>
               <a:ext uri="{FF2B5EF4-FFF2-40B4-BE49-F238E27FC236}">
-                <a16:creationId xmlns:a16="http://schemas.microsoft.com/office/drawing/2014/main" id="{05EAB10B-D803-0EB6-0FA6-380A05F343FD}"/>
+                <a16:creationId xmlns:a16="http://schemas.microsoft.com/office/drawing/2014/main" id="{09E02186-CAF2-142B-D5F4-D0D8F0388839}"/>
               </a:ext>
             </a:extLst>
           </p:cNvPr>
@@ -894,7 +894,7 @@
           <p:cNvPr id="6" name="灯片编号占位符 5">
             <a:extLst>
               <a:ext uri="{FF2B5EF4-FFF2-40B4-BE49-F238E27FC236}">
-                <a16:creationId xmlns:a16="http://schemas.microsoft.com/office/drawing/2014/main" id="{BA902CFE-64FF-EE34-4674-F62752449202}"/>
+                <a16:creationId xmlns:a16="http://schemas.microsoft.com/office/drawing/2014/main" id="{AC695809-EC20-E6CB-3A1E-3322F989DEF9}"/>
               </a:ext>
             </a:extLst>
           </p:cNvPr>
@@ -910,7 +910,7 @@
           <a:bodyPr/>
           <a:lstStyle/>
           <a:p>
-            <a:fld id="{7916BD6D-760A-45C6-8935-300A04B892B7}" type="slidenum">
+            <a:fld id="{168EF2E6-8570-41F5-9056-77A1B25E542A}" type="slidenum">
               <a:rPr lang="zh-CN" altLang="en-US" smtClean="0"/>
               <a:t>‹#›</a:t>
             </a:fld>
@@ -921,7 +921,7 @@
     </p:spTree>
     <p:extLst>
       <p:ext uri="{BB962C8B-B14F-4D97-AF65-F5344CB8AC3E}">
-        <p14:creationId xmlns:p14="http://schemas.microsoft.com/office/powerpoint/2010/main" val="2980913962"/>
+        <p14:creationId xmlns:p14="http://schemas.microsoft.com/office/powerpoint/2010/main" val="2525791548"/>
       </p:ext>
     </p:extLst>
   </p:cSld>
@@ -953,7 +953,7 @@
           <p:cNvPr id="2" name="标题 1">
             <a:extLst>
               <a:ext uri="{FF2B5EF4-FFF2-40B4-BE49-F238E27FC236}">
-                <a16:creationId xmlns:a16="http://schemas.microsoft.com/office/drawing/2014/main" id="{26313C19-1D60-AE1F-94F0-8DF73F2BC7DB}"/>
+                <a16:creationId xmlns:a16="http://schemas.microsoft.com/office/drawing/2014/main" id="{8FB5C00E-6A0F-D8C3-79CB-8632632EB91F}"/>
               </a:ext>
             </a:extLst>
           </p:cNvPr>
@@ -990,7 +990,7 @@
           <p:cNvPr id="3" name="文本占位符 2">
             <a:extLst>
               <a:ext uri="{FF2B5EF4-FFF2-40B4-BE49-F238E27FC236}">
-                <a16:creationId xmlns:a16="http://schemas.microsoft.com/office/drawing/2014/main" id="{FF02A4A3-7C0F-FAA9-8543-990AE4744F8E}"/>
+                <a16:creationId xmlns:a16="http://schemas.microsoft.com/office/drawing/2014/main" id="{DA38AC17-CE97-CBE9-8D25-BDD8913B0AC3}"/>
               </a:ext>
             </a:extLst>
           </p:cNvPr>
@@ -1115,7 +1115,7 @@
           <p:cNvPr id="4" name="日期占位符 3">
             <a:extLst>
               <a:ext uri="{FF2B5EF4-FFF2-40B4-BE49-F238E27FC236}">
-                <a16:creationId xmlns:a16="http://schemas.microsoft.com/office/drawing/2014/main" id="{2CD1B16D-482D-5A0A-5CD2-839DF4C43B14}"/>
+                <a16:creationId xmlns:a16="http://schemas.microsoft.com/office/drawing/2014/main" id="{6DB3C8F7-4FCF-4447-1252-5800C3D2FB97}"/>
               </a:ext>
             </a:extLst>
           </p:cNvPr>
@@ -1131,7 +1131,7 @@
           <a:bodyPr/>
           <a:lstStyle/>
           <a:p>
-            <a:fld id="{01A285DA-F9D5-429A-802F-77B6E94F90A3}" type="datetimeFigureOut">
+            <a:fld id="{D825A296-30DF-4468-9E10-C983528B209A}" type="datetimeFigureOut">
               <a:rPr lang="zh-CN" altLang="en-US" smtClean="0"/>
               <a:t>2024/3/10</a:t>
             </a:fld>
@@ -1144,7 +1144,7 @@
           <p:cNvPr id="5" name="页脚占位符 4">
             <a:extLst>
               <a:ext uri="{FF2B5EF4-FFF2-40B4-BE49-F238E27FC236}">
-                <a16:creationId xmlns:a16="http://schemas.microsoft.com/office/drawing/2014/main" id="{410B52AE-61C6-A969-7292-300B432EB467}"/>
+                <a16:creationId xmlns:a16="http://schemas.microsoft.com/office/drawing/2014/main" id="{09A7143C-52EC-3950-2AFE-794EA1D244F7}"/>
               </a:ext>
             </a:extLst>
           </p:cNvPr>
@@ -1169,7 +1169,7 @@
           <p:cNvPr id="6" name="灯片编号占位符 5">
             <a:extLst>
               <a:ext uri="{FF2B5EF4-FFF2-40B4-BE49-F238E27FC236}">
-                <a16:creationId xmlns:a16="http://schemas.microsoft.com/office/drawing/2014/main" id="{2C17A13F-CB1F-5504-98B7-5600A8116215}"/>
+                <a16:creationId xmlns:a16="http://schemas.microsoft.com/office/drawing/2014/main" id="{710FE993-C84C-D520-F235-1219AB425E88}"/>
               </a:ext>
             </a:extLst>
           </p:cNvPr>
@@ -1185,7 +1185,7 @@
           <a:bodyPr/>
           <a:lstStyle/>
           <a:p>
-            <a:fld id="{7916BD6D-760A-45C6-8935-300A04B892B7}" type="slidenum">
+            <a:fld id="{168EF2E6-8570-41F5-9056-77A1B25E542A}" type="slidenum">
               <a:rPr lang="zh-CN" altLang="en-US" smtClean="0"/>
               <a:t>‹#›</a:t>
             </a:fld>
@@ -1196,7 +1196,7 @@
     </p:spTree>
     <p:extLst>
       <p:ext uri="{BB962C8B-B14F-4D97-AF65-F5344CB8AC3E}">
-        <p14:creationId xmlns:p14="http://schemas.microsoft.com/office/powerpoint/2010/main" val="3439979419"/>
+        <p14:creationId xmlns:p14="http://schemas.microsoft.com/office/powerpoint/2010/main" val="3228599621"/>
       </p:ext>
     </p:extLst>
   </p:cSld>
@@ -1228,7 +1228,7 @@
           <p:cNvPr id="2" name="标题 1">
             <a:extLst>
               <a:ext uri="{FF2B5EF4-FFF2-40B4-BE49-F238E27FC236}">
-                <a16:creationId xmlns:a16="http://schemas.microsoft.com/office/drawing/2014/main" id="{0FBEC20C-EFF3-17AA-7A72-0E1919653BF4}"/>
+                <a16:creationId xmlns:a16="http://schemas.microsoft.com/office/drawing/2014/main" id="{921551EE-DDBF-60AD-5585-CEBABF4DB86C}"/>
               </a:ext>
             </a:extLst>
           </p:cNvPr>
@@ -1256,7 +1256,7 @@
           <p:cNvPr id="3" name="内容占位符 2">
             <a:extLst>
               <a:ext uri="{FF2B5EF4-FFF2-40B4-BE49-F238E27FC236}">
-                <a16:creationId xmlns:a16="http://schemas.microsoft.com/office/drawing/2014/main" id="{EC5F9A06-27C7-C21D-C2D1-70DCB5D4E64E}"/>
+                <a16:creationId xmlns:a16="http://schemas.microsoft.com/office/drawing/2014/main" id="{D18EF113-40F8-44D4-86AB-8334C5BC9F5E}"/>
               </a:ext>
             </a:extLst>
           </p:cNvPr>
@@ -1318,7 +1318,7 @@
           <p:cNvPr id="4" name="内容占位符 3">
             <a:extLst>
               <a:ext uri="{FF2B5EF4-FFF2-40B4-BE49-F238E27FC236}">
-                <a16:creationId xmlns:a16="http://schemas.microsoft.com/office/drawing/2014/main" id="{E2D424A2-DE62-C8BB-A838-32A7830FB418}"/>
+                <a16:creationId xmlns:a16="http://schemas.microsoft.com/office/drawing/2014/main" id="{713BF394-3FB1-1331-AD2B-AC923C89CBB0}"/>
               </a:ext>
             </a:extLst>
           </p:cNvPr>
@@ -1380,7 +1380,7 @@
           <p:cNvPr id="5" name="日期占位符 4">
             <a:extLst>
               <a:ext uri="{FF2B5EF4-FFF2-40B4-BE49-F238E27FC236}">
-                <a16:creationId xmlns:a16="http://schemas.microsoft.com/office/drawing/2014/main" id="{036F064E-E5E8-6576-A77C-6F7B9F65FC0C}"/>
+                <a16:creationId xmlns:a16="http://schemas.microsoft.com/office/drawing/2014/main" id="{17B7E899-AE88-2F63-27D4-86FC297DE888}"/>
               </a:ext>
             </a:extLst>
           </p:cNvPr>
@@ -1396,7 +1396,7 @@
           <a:bodyPr/>
           <a:lstStyle/>
           <a:p>
-            <a:fld id="{01A285DA-F9D5-429A-802F-77B6E94F90A3}" type="datetimeFigureOut">
+            <a:fld id="{D825A296-30DF-4468-9E10-C983528B209A}" type="datetimeFigureOut">
               <a:rPr lang="zh-CN" altLang="en-US" smtClean="0"/>
               <a:t>2024/3/10</a:t>
             </a:fld>
@@ -1409,7 +1409,7 @@
           <p:cNvPr id="6" name="页脚占位符 5">
             <a:extLst>
               <a:ext uri="{FF2B5EF4-FFF2-40B4-BE49-F238E27FC236}">
-                <a16:creationId xmlns:a16="http://schemas.microsoft.com/office/drawing/2014/main" id="{B50682DA-7C37-2690-C123-770AB5D7AE3A}"/>
+                <a16:creationId xmlns:a16="http://schemas.microsoft.com/office/drawing/2014/main" id="{30A2D907-D15C-1EE4-8236-B53EE01FB022}"/>
               </a:ext>
             </a:extLst>
           </p:cNvPr>
@@ -1434,7 +1434,7 @@
           <p:cNvPr id="7" name="灯片编号占位符 6">
             <a:extLst>
               <a:ext uri="{FF2B5EF4-FFF2-40B4-BE49-F238E27FC236}">
-                <a16:creationId xmlns:a16="http://schemas.microsoft.com/office/drawing/2014/main" id="{F9E30E5F-A388-F96B-B366-ABCEC895E338}"/>
+                <a16:creationId xmlns:a16="http://schemas.microsoft.com/office/drawing/2014/main" id="{F7D54A37-E872-6584-229E-DB604EC78C4B}"/>
               </a:ext>
             </a:extLst>
           </p:cNvPr>
@@ -1450,7 +1450,7 @@
           <a:bodyPr/>
           <a:lstStyle/>
           <a:p>
-            <a:fld id="{7916BD6D-760A-45C6-8935-300A04B892B7}" type="slidenum">
+            <a:fld id="{168EF2E6-8570-41F5-9056-77A1B25E542A}" type="slidenum">
               <a:rPr lang="zh-CN" altLang="en-US" smtClean="0"/>
               <a:t>‹#›</a:t>
             </a:fld>
@@ -1461,7 +1461,7 @@
     </p:spTree>
     <p:extLst>
       <p:ext uri="{BB962C8B-B14F-4D97-AF65-F5344CB8AC3E}">
-        <p14:creationId xmlns:p14="http://schemas.microsoft.com/office/powerpoint/2010/main" val="3798335592"/>
+        <p14:creationId xmlns:p14="http://schemas.microsoft.com/office/powerpoint/2010/main" val="2892250322"/>
       </p:ext>
     </p:extLst>
   </p:cSld>
@@ -1493,7 +1493,7 @@
           <p:cNvPr id="2" name="标题 1">
             <a:extLst>
               <a:ext uri="{FF2B5EF4-FFF2-40B4-BE49-F238E27FC236}">
-                <a16:creationId xmlns:a16="http://schemas.microsoft.com/office/drawing/2014/main" id="{D003BB4F-29B8-A1CA-257D-13C46B5EDB1C}"/>
+                <a16:creationId xmlns:a16="http://schemas.microsoft.com/office/drawing/2014/main" id="{3B185822-163C-231B-5863-F577EC815A95}"/>
               </a:ext>
             </a:extLst>
           </p:cNvPr>
@@ -1526,7 +1526,7 @@
           <p:cNvPr id="3" name="文本占位符 2">
             <a:extLst>
               <a:ext uri="{FF2B5EF4-FFF2-40B4-BE49-F238E27FC236}">
-                <a16:creationId xmlns:a16="http://schemas.microsoft.com/office/drawing/2014/main" id="{DF9D86B4-8749-D844-999F-21E4326C51EA}"/>
+                <a16:creationId xmlns:a16="http://schemas.microsoft.com/office/drawing/2014/main" id="{47538D68-6674-24D1-1774-02D18B4ECFDF}"/>
               </a:ext>
             </a:extLst>
           </p:cNvPr>
@@ -1597,7 +1597,7 @@
           <p:cNvPr id="4" name="内容占位符 3">
             <a:extLst>
               <a:ext uri="{FF2B5EF4-FFF2-40B4-BE49-F238E27FC236}">
-                <a16:creationId xmlns:a16="http://schemas.microsoft.com/office/drawing/2014/main" id="{19C53829-63EB-28F8-F1E5-A7239B3B9F18}"/>
+                <a16:creationId xmlns:a16="http://schemas.microsoft.com/office/drawing/2014/main" id="{00137CD4-CEC1-E056-6251-3FD43D71C5AA}"/>
               </a:ext>
             </a:extLst>
           </p:cNvPr>
@@ -1659,7 +1659,7 @@
           <p:cNvPr id="5" name="文本占位符 4">
             <a:extLst>
               <a:ext uri="{FF2B5EF4-FFF2-40B4-BE49-F238E27FC236}">
-                <a16:creationId xmlns:a16="http://schemas.microsoft.com/office/drawing/2014/main" id="{302BDDF5-8AEC-24C5-417B-AD9B228DC0E9}"/>
+                <a16:creationId xmlns:a16="http://schemas.microsoft.com/office/drawing/2014/main" id="{E0725929-14CA-25A2-7E49-69F167B739DE}"/>
               </a:ext>
             </a:extLst>
           </p:cNvPr>
@@ -1730,7 +1730,7 @@
           <p:cNvPr id="6" name="内容占位符 5">
             <a:extLst>
               <a:ext uri="{FF2B5EF4-FFF2-40B4-BE49-F238E27FC236}">
-                <a16:creationId xmlns:a16="http://schemas.microsoft.com/office/drawing/2014/main" id="{DA3FD810-D05D-A058-53EA-B88BA680D1B3}"/>
+                <a16:creationId xmlns:a16="http://schemas.microsoft.com/office/drawing/2014/main" id="{FE56DA94-4CFE-DA5B-EFCC-F9EE981983DB}"/>
               </a:ext>
             </a:extLst>
           </p:cNvPr>
@@ -1792,7 +1792,7 @@
           <p:cNvPr id="7" name="日期占位符 6">
             <a:extLst>
               <a:ext uri="{FF2B5EF4-FFF2-40B4-BE49-F238E27FC236}">
-                <a16:creationId xmlns:a16="http://schemas.microsoft.com/office/drawing/2014/main" id="{926BC93D-F2AF-C5EF-257F-D8B4BE07B603}"/>
+                <a16:creationId xmlns:a16="http://schemas.microsoft.com/office/drawing/2014/main" id="{65769A6E-0F5F-A2B0-43DF-AE5D19ADC33C}"/>
               </a:ext>
             </a:extLst>
           </p:cNvPr>
@@ -1808,7 +1808,7 @@
           <a:bodyPr/>
           <a:lstStyle/>
           <a:p>
-            <a:fld id="{01A285DA-F9D5-429A-802F-77B6E94F90A3}" type="datetimeFigureOut">
+            <a:fld id="{D825A296-30DF-4468-9E10-C983528B209A}" type="datetimeFigureOut">
               <a:rPr lang="zh-CN" altLang="en-US" smtClean="0"/>
               <a:t>2024/3/10</a:t>
             </a:fld>
@@ -1821,7 +1821,7 @@
           <p:cNvPr id="8" name="页脚占位符 7">
             <a:extLst>
               <a:ext uri="{FF2B5EF4-FFF2-40B4-BE49-F238E27FC236}">
-                <a16:creationId xmlns:a16="http://schemas.microsoft.com/office/drawing/2014/main" id="{D7326316-67A0-4CEA-B5D5-793246E121D6}"/>
+                <a16:creationId xmlns:a16="http://schemas.microsoft.com/office/drawing/2014/main" id="{2AB0944F-CB1C-6905-A81C-7B45E2C29FB5}"/>
               </a:ext>
             </a:extLst>
           </p:cNvPr>
@@ -1846,7 +1846,7 @@
           <p:cNvPr id="9" name="灯片编号占位符 8">
             <a:extLst>
               <a:ext uri="{FF2B5EF4-FFF2-40B4-BE49-F238E27FC236}">
-                <a16:creationId xmlns:a16="http://schemas.microsoft.com/office/drawing/2014/main" id="{5BF7C4DD-ADCB-3DDB-0906-5B896BE1B512}"/>
+                <a16:creationId xmlns:a16="http://schemas.microsoft.com/office/drawing/2014/main" id="{C003042A-7488-3F99-BA77-39E37CD0FA18}"/>
               </a:ext>
             </a:extLst>
           </p:cNvPr>
@@ -1862,7 +1862,7 @@
           <a:bodyPr/>
           <a:lstStyle/>
           <a:p>
-            <a:fld id="{7916BD6D-760A-45C6-8935-300A04B892B7}" type="slidenum">
+            <a:fld id="{168EF2E6-8570-41F5-9056-77A1B25E542A}" type="slidenum">
               <a:rPr lang="zh-CN" altLang="en-US" smtClean="0"/>
               <a:t>‹#›</a:t>
             </a:fld>
@@ -1873,7 +1873,7 @@
     </p:spTree>
     <p:extLst>
       <p:ext uri="{BB962C8B-B14F-4D97-AF65-F5344CB8AC3E}">
-        <p14:creationId xmlns:p14="http://schemas.microsoft.com/office/powerpoint/2010/main" val="1134879302"/>
+        <p14:creationId xmlns:p14="http://schemas.microsoft.com/office/powerpoint/2010/main" val="943351323"/>
       </p:ext>
     </p:extLst>
   </p:cSld>
@@ -1905,7 +1905,7 @@
           <p:cNvPr id="2" name="标题 1">
             <a:extLst>
               <a:ext uri="{FF2B5EF4-FFF2-40B4-BE49-F238E27FC236}">
-                <a16:creationId xmlns:a16="http://schemas.microsoft.com/office/drawing/2014/main" id="{2B694CC7-260A-454A-8555-0FC6260332BC}"/>
+                <a16:creationId xmlns:a16="http://schemas.microsoft.com/office/drawing/2014/main" id="{2F6B26D5-1680-9FB1-6F87-C99403063EAB}"/>
               </a:ext>
             </a:extLst>
           </p:cNvPr>
@@ -1933,7 +1933,7 @@
           <p:cNvPr id="3" name="日期占位符 2">
             <a:extLst>
               <a:ext uri="{FF2B5EF4-FFF2-40B4-BE49-F238E27FC236}">
-                <a16:creationId xmlns:a16="http://schemas.microsoft.com/office/drawing/2014/main" id="{ECC0D3F8-ED1A-3B98-D945-6A6D542B1259}"/>
+                <a16:creationId xmlns:a16="http://schemas.microsoft.com/office/drawing/2014/main" id="{9E7EFA1C-D4FC-3FC7-29F2-860B295EAD33}"/>
               </a:ext>
             </a:extLst>
           </p:cNvPr>
@@ -1949,7 +1949,7 @@
           <a:bodyPr/>
           <a:lstStyle/>
           <a:p>
-            <a:fld id="{01A285DA-F9D5-429A-802F-77B6E94F90A3}" type="datetimeFigureOut">
+            <a:fld id="{D825A296-30DF-4468-9E10-C983528B209A}" type="datetimeFigureOut">
               <a:rPr lang="zh-CN" altLang="en-US" smtClean="0"/>
               <a:t>2024/3/10</a:t>
             </a:fld>
@@ -1962,7 +1962,7 @@
           <p:cNvPr id="4" name="页脚占位符 3">
             <a:extLst>
               <a:ext uri="{FF2B5EF4-FFF2-40B4-BE49-F238E27FC236}">
-                <a16:creationId xmlns:a16="http://schemas.microsoft.com/office/drawing/2014/main" id="{4F421D8E-E3FA-5386-1E52-BA693B84DDB7}"/>
+                <a16:creationId xmlns:a16="http://schemas.microsoft.com/office/drawing/2014/main" id="{EFE5E288-AEE5-B0D1-AA7E-FE3C47F91972}"/>
               </a:ext>
             </a:extLst>
           </p:cNvPr>
@@ -1987,7 +1987,7 @@
           <p:cNvPr id="5" name="灯片编号占位符 4">
             <a:extLst>
               <a:ext uri="{FF2B5EF4-FFF2-40B4-BE49-F238E27FC236}">
-                <a16:creationId xmlns:a16="http://schemas.microsoft.com/office/drawing/2014/main" id="{92100A42-4EEE-CAA2-3178-086540F2CAD4}"/>
+                <a16:creationId xmlns:a16="http://schemas.microsoft.com/office/drawing/2014/main" id="{57BE174E-99EF-BB74-322F-52FE6E83540C}"/>
               </a:ext>
             </a:extLst>
           </p:cNvPr>
@@ -2003,7 +2003,7 @@
           <a:bodyPr/>
           <a:lstStyle/>
           <a:p>
-            <a:fld id="{7916BD6D-760A-45C6-8935-300A04B892B7}" type="slidenum">
+            <a:fld id="{168EF2E6-8570-41F5-9056-77A1B25E542A}" type="slidenum">
               <a:rPr lang="zh-CN" altLang="en-US" smtClean="0"/>
               <a:t>‹#›</a:t>
             </a:fld>
@@ -2014,7 +2014,7 @@
     </p:spTree>
     <p:extLst>
       <p:ext uri="{BB962C8B-B14F-4D97-AF65-F5344CB8AC3E}">
-        <p14:creationId xmlns:p14="http://schemas.microsoft.com/office/powerpoint/2010/main" val="2611634321"/>
+        <p14:creationId xmlns:p14="http://schemas.microsoft.com/office/powerpoint/2010/main" val="1853685875"/>
       </p:ext>
     </p:extLst>
   </p:cSld>
@@ -2046,7 +2046,7 @@
           <p:cNvPr id="2" name="日期占位符 1">
             <a:extLst>
               <a:ext uri="{FF2B5EF4-FFF2-40B4-BE49-F238E27FC236}">
-                <a16:creationId xmlns:a16="http://schemas.microsoft.com/office/drawing/2014/main" id="{E2B679E8-BF97-C805-50D0-C32D985715A5}"/>
+                <a16:creationId xmlns:a16="http://schemas.microsoft.com/office/drawing/2014/main" id="{4E665F57-C0D7-65A0-A174-28BD4EFB8938}"/>
               </a:ext>
             </a:extLst>
           </p:cNvPr>
@@ -2062,7 +2062,7 @@
           <a:bodyPr/>
           <a:lstStyle/>
           <a:p>
-            <a:fld id="{01A285DA-F9D5-429A-802F-77B6E94F90A3}" type="datetimeFigureOut">
+            <a:fld id="{D825A296-30DF-4468-9E10-C983528B209A}" type="datetimeFigureOut">
               <a:rPr lang="zh-CN" altLang="en-US" smtClean="0"/>
               <a:t>2024/3/10</a:t>
             </a:fld>
@@ -2075,7 +2075,7 @@
           <p:cNvPr id="3" name="页脚占位符 2">
             <a:extLst>
               <a:ext uri="{FF2B5EF4-FFF2-40B4-BE49-F238E27FC236}">
-                <a16:creationId xmlns:a16="http://schemas.microsoft.com/office/drawing/2014/main" id="{B9FFC1EC-B090-9A60-9F65-E9E010A096C7}"/>
+                <a16:creationId xmlns:a16="http://schemas.microsoft.com/office/drawing/2014/main" id="{92509471-C8D3-A053-F863-DC04D3565714}"/>
               </a:ext>
             </a:extLst>
           </p:cNvPr>
@@ -2100,7 +2100,7 @@
           <p:cNvPr id="4" name="灯片编号占位符 3">
             <a:extLst>
               <a:ext uri="{FF2B5EF4-FFF2-40B4-BE49-F238E27FC236}">
-                <a16:creationId xmlns:a16="http://schemas.microsoft.com/office/drawing/2014/main" id="{A98F43D6-487B-656F-4608-59964A98E255}"/>
+                <a16:creationId xmlns:a16="http://schemas.microsoft.com/office/drawing/2014/main" id="{294A8762-EC09-6BE2-D31E-FDB920B84D12}"/>
               </a:ext>
             </a:extLst>
           </p:cNvPr>
@@ -2116,7 +2116,7 @@
           <a:bodyPr/>
           <a:lstStyle/>
           <a:p>
-            <a:fld id="{7916BD6D-760A-45C6-8935-300A04B892B7}" type="slidenum">
+            <a:fld id="{168EF2E6-8570-41F5-9056-77A1B25E542A}" type="slidenum">
               <a:rPr lang="zh-CN" altLang="en-US" smtClean="0"/>
               <a:t>‹#›</a:t>
             </a:fld>
@@ -2127,7 +2127,7 @@
     </p:spTree>
     <p:extLst>
       <p:ext uri="{BB962C8B-B14F-4D97-AF65-F5344CB8AC3E}">
-        <p14:creationId xmlns:p14="http://schemas.microsoft.com/office/powerpoint/2010/main" val="4099466944"/>
+        <p14:creationId xmlns:p14="http://schemas.microsoft.com/office/powerpoint/2010/main" val="4073635852"/>
       </p:ext>
     </p:extLst>
   </p:cSld>
@@ -2159,7 +2159,7 @@
           <p:cNvPr id="2" name="标题 1">
             <a:extLst>
               <a:ext uri="{FF2B5EF4-FFF2-40B4-BE49-F238E27FC236}">
-                <a16:creationId xmlns:a16="http://schemas.microsoft.com/office/drawing/2014/main" id="{6DF8BD5B-354B-31B9-D378-30EAEEF04126}"/>
+                <a16:creationId xmlns:a16="http://schemas.microsoft.com/office/drawing/2014/main" id="{9659E88F-B3F2-F833-401D-E663503BC73A}"/>
               </a:ext>
             </a:extLst>
           </p:cNvPr>
@@ -2196,7 +2196,7 @@
           <p:cNvPr id="3" name="内容占位符 2">
             <a:extLst>
               <a:ext uri="{FF2B5EF4-FFF2-40B4-BE49-F238E27FC236}">
-                <a16:creationId xmlns:a16="http://schemas.microsoft.com/office/drawing/2014/main" id="{5CC2602C-CE1F-1013-052E-AFACD1444B4D}"/>
+                <a16:creationId xmlns:a16="http://schemas.microsoft.com/office/drawing/2014/main" id="{4A9ECB29-77F2-FF93-0B9C-CD3C9800ABA1}"/>
               </a:ext>
             </a:extLst>
           </p:cNvPr>
@@ -2286,7 +2286,7 @@
           <p:cNvPr id="4" name="文本占位符 3">
             <a:extLst>
               <a:ext uri="{FF2B5EF4-FFF2-40B4-BE49-F238E27FC236}">
-                <a16:creationId xmlns:a16="http://schemas.microsoft.com/office/drawing/2014/main" id="{25B35AB5-8C46-6B00-D6F5-9365142BCB47}"/>
+                <a16:creationId xmlns:a16="http://schemas.microsoft.com/office/drawing/2014/main" id="{1ADC283C-7497-FDA3-9FC2-9E1DFA5DE9D7}"/>
               </a:ext>
             </a:extLst>
           </p:cNvPr>
@@ -2357,7 +2357,7 @@
           <p:cNvPr id="5" name="日期占位符 4">
             <a:extLst>
               <a:ext uri="{FF2B5EF4-FFF2-40B4-BE49-F238E27FC236}">
-                <a16:creationId xmlns:a16="http://schemas.microsoft.com/office/drawing/2014/main" id="{5F2B354E-4CEC-25F9-23DC-17A48DF86156}"/>
+                <a16:creationId xmlns:a16="http://schemas.microsoft.com/office/drawing/2014/main" id="{3865D121-5866-FA48-1A6A-B7A1F32C91B2}"/>
               </a:ext>
             </a:extLst>
           </p:cNvPr>
@@ -2373,7 +2373,7 @@
           <a:bodyPr/>
           <a:lstStyle/>
           <a:p>
-            <a:fld id="{01A285DA-F9D5-429A-802F-77B6E94F90A3}" type="datetimeFigureOut">
+            <a:fld id="{D825A296-30DF-4468-9E10-C983528B209A}" type="datetimeFigureOut">
               <a:rPr lang="zh-CN" altLang="en-US" smtClean="0"/>
               <a:t>2024/3/10</a:t>
             </a:fld>
@@ -2386,7 +2386,7 @@
           <p:cNvPr id="6" name="页脚占位符 5">
             <a:extLst>
               <a:ext uri="{FF2B5EF4-FFF2-40B4-BE49-F238E27FC236}">
-                <a16:creationId xmlns:a16="http://schemas.microsoft.com/office/drawing/2014/main" id="{2B430AF8-4DC0-46D4-85E3-4F09AB10AE37}"/>
+                <a16:creationId xmlns:a16="http://schemas.microsoft.com/office/drawing/2014/main" id="{93D25D7E-450F-2D65-455C-9FDE4404B937}"/>
               </a:ext>
             </a:extLst>
           </p:cNvPr>
@@ -2411,7 +2411,7 @@
           <p:cNvPr id="7" name="灯片编号占位符 6">
             <a:extLst>
               <a:ext uri="{FF2B5EF4-FFF2-40B4-BE49-F238E27FC236}">
-                <a16:creationId xmlns:a16="http://schemas.microsoft.com/office/drawing/2014/main" id="{8AD4F6BD-4DE7-1E91-AA1D-DBEAD2568C9B}"/>
+                <a16:creationId xmlns:a16="http://schemas.microsoft.com/office/drawing/2014/main" id="{122BFF7A-1A5A-5B63-3D81-ECE9D5B35009}"/>
               </a:ext>
             </a:extLst>
           </p:cNvPr>
@@ -2427,7 +2427,7 @@
           <a:bodyPr/>
           <a:lstStyle/>
           <a:p>
-            <a:fld id="{7916BD6D-760A-45C6-8935-300A04B892B7}" type="slidenum">
+            <a:fld id="{168EF2E6-8570-41F5-9056-77A1B25E542A}" type="slidenum">
               <a:rPr lang="zh-CN" altLang="en-US" smtClean="0"/>
               <a:t>‹#›</a:t>
             </a:fld>
@@ -2438,7 +2438,7 @@
     </p:spTree>
     <p:extLst>
       <p:ext uri="{BB962C8B-B14F-4D97-AF65-F5344CB8AC3E}">
-        <p14:creationId xmlns:p14="http://schemas.microsoft.com/office/powerpoint/2010/main" val="1081370795"/>
+        <p14:creationId xmlns:p14="http://schemas.microsoft.com/office/powerpoint/2010/main" val="3038143714"/>
       </p:ext>
     </p:extLst>
   </p:cSld>
@@ -2470,7 +2470,7 @@
           <p:cNvPr id="2" name="标题 1">
             <a:extLst>
               <a:ext uri="{FF2B5EF4-FFF2-40B4-BE49-F238E27FC236}">
-                <a16:creationId xmlns:a16="http://schemas.microsoft.com/office/drawing/2014/main" id="{C8D2F3BA-2C16-A7B6-1A67-254540B9BC13}"/>
+                <a16:creationId xmlns:a16="http://schemas.microsoft.com/office/drawing/2014/main" id="{48138A01-45EF-91AA-CF86-689F44108F60}"/>
               </a:ext>
             </a:extLst>
           </p:cNvPr>
@@ -2507,7 +2507,7 @@
           <p:cNvPr id="3" name="图片占位符 2">
             <a:extLst>
               <a:ext uri="{FF2B5EF4-FFF2-40B4-BE49-F238E27FC236}">
-                <a16:creationId xmlns:a16="http://schemas.microsoft.com/office/drawing/2014/main" id="{CA981F4E-5D0F-D22A-3A79-1854EB1E3AC1}"/>
+                <a16:creationId xmlns:a16="http://schemas.microsoft.com/office/drawing/2014/main" id="{0A32D3F0-704A-F79E-0EF2-6EAD1B2CD994}"/>
               </a:ext>
             </a:extLst>
           </p:cNvPr>
@@ -2574,7 +2574,7 @@
           <p:cNvPr id="4" name="文本占位符 3">
             <a:extLst>
               <a:ext uri="{FF2B5EF4-FFF2-40B4-BE49-F238E27FC236}">
-                <a16:creationId xmlns:a16="http://schemas.microsoft.com/office/drawing/2014/main" id="{2761ACC2-3D89-52F0-8881-2AEC9851EAE4}"/>
+                <a16:creationId xmlns:a16="http://schemas.microsoft.com/office/drawing/2014/main" id="{E277320D-80F4-CC49-ACAD-0D576331F76D}"/>
               </a:ext>
             </a:extLst>
           </p:cNvPr>
@@ -2645,7 +2645,7 @@
           <p:cNvPr id="5" name="日期占位符 4">
             <a:extLst>
               <a:ext uri="{FF2B5EF4-FFF2-40B4-BE49-F238E27FC236}">
-                <a16:creationId xmlns:a16="http://schemas.microsoft.com/office/drawing/2014/main" id="{D005C16D-AD89-8292-36D3-845FCB421AD2}"/>
+                <a16:creationId xmlns:a16="http://schemas.microsoft.com/office/drawing/2014/main" id="{723F7A7E-E7D6-CDD8-4E72-9F58B33F9698}"/>
               </a:ext>
             </a:extLst>
           </p:cNvPr>
@@ -2661,7 +2661,7 @@
           <a:bodyPr/>
           <a:lstStyle/>
           <a:p>
-            <a:fld id="{01A285DA-F9D5-429A-802F-77B6E94F90A3}" type="datetimeFigureOut">
+            <a:fld id="{D825A296-30DF-4468-9E10-C983528B209A}" type="datetimeFigureOut">
               <a:rPr lang="zh-CN" altLang="en-US" smtClean="0"/>
               <a:t>2024/3/10</a:t>
             </a:fld>
@@ -2674,7 +2674,7 @@
           <p:cNvPr id="6" name="页脚占位符 5">
             <a:extLst>
               <a:ext uri="{FF2B5EF4-FFF2-40B4-BE49-F238E27FC236}">
-                <a16:creationId xmlns:a16="http://schemas.microsoft.com/office/drawing/2014/main" id="{B79336BD-ADA1-6837-8A4A-EAD71C23CF6D}"/>
+                <a16:creationId xmlns:a16="http://schemas.microsoft.com/office/drawing/2014/main" id="{13A63F7D-A828-F939-4A5B-CDAB7C791D78}"/>
               </a:ext>
             </a:extLst>
           </p:cNvPr>
@@ -2699,7 +2699,7 @@
           <p:cNvPr id="7" name="灯片编号占位符 6">
             <a:extLst>
               <a:ext uri="{FF2B5EF4-FFF2-40B4-BE49-F238E27FC236}">
-                <a16:creationId xmlns:a16="http://schemas.microsoft.com/office/drawing/2014/main" id="{C189D2C7-C3BB-DC65-77F9-0827C74CDE24}"/>
+                <a16:creationId xmlns:a16="http://schemas.microsoft.com/office/drawing/2014/main" id="{790ED25A-9932-E4D3-09AB-1BD6452AFB28}"/>
               </a:ext>
             </a:extLst>
           </p:cNvPr>
@@ -2715,7 +2715,7 @@
           <a:bodyPr/>
           <a:lstStyle/>
           <a:p>
-            <a:fld id="{7916BD6D-760A-45C6-8935-300A04B892B7}" type="slidenum">
+            <a:fld id="{168EF2E6-8570-41F5-9056-77A1B25E542A}" type="slidenum">
               <a:rPr lang="zh-CN" altLang="en-US" smtClean="0"/>
               <a:t>‹#›</a:t>
             </a:fld>
@@ -2726,7 +2726,7 @@
     </p:spTree>
     <p:extLst>
       <p:ext uri="{BB962C8B-B14F-4D97-AF65-F5344CB8AC3E}">
-        <p14:creationId xmlns:p14="http://schemas.microsoft.com/office/powerpoint/2010/main" val="4169742765"/>
+        <p14:creationId xmlns:p14="http://schemas.microsoft.com/office/powerpoint/2010/main" val="2758662195"/>
       </p:ext>
     </p:extLst>
   </p:cSld>
@@ -2763,7 +2763,7 @@
           <p:cNvPr id="2" name="标题占位符 1">
             <a:extLst>
               <a:ext uri="{FF2B5EF4-FFF2-40B4-BE49-F238E27FC236}">
-                <a16:creationId xmlns:a16="http://schemas.microsoft.com/office/drawing/2014/main" id="{809A77D6-FF48-34B8-C396-3303A5C4501C}"/>
+                <a16:creationId xmlns:a16="http://schemas.microsoft.com/office/drawing/2014/main" id="{7B10028B-498E-25EB-1C19-3D1FF823F791}"/>
               </a:ext>
             </a:extLst>
           </p:cNvPr>
@@ -2801,7 +2801,7 @@
           <p:cNvPr id="3" name="文本占位符 2">
             <a:extLst>
               <a:ext uri="{FF2B5EF4-FFF2-40B4-BE49-F238E27FC236}">
-                <a16:creationId xmlns:a16="http://schemas.microsoft.com/office/drawing/2014/main" id="{675EE5C0-C065-A286-6C66-6EBDC1AC2FC1}"/>
+                <a16:creationId xmlns:a16="http://schemas.microsoft.com/office/drawing/2014/main" id="{CF44E0BF-547B-50A5-7E74-8D56755B19B3}"/>
               </a:ext>
             </a:extLst>
           </p:cNvPr>
@@ -2868,7 +2868,7 @@
           <p:cNvPr id="4" name="日期占位符 3">
             <a:extLst>
               <a:ext uri="{FF2B5EF4-FFF2-40B4-BE49-F238E27FC236}">
-                <a16:creationId xmlns:a16="http://schemas.microsoft.com/office/drawing/2014/main" id="{84C74C2F-710F-70F2-0352-87B8E175889B}"/>
+                <a16:creationId xmlns:a16="http://schemas.microsoft.com/office/drawing/2014/main" id="{5092C3F2-D78E-93F0-98C8-F1CD4A30F916}"/>
               </a:ext>
             </a:extLst>
           </p:cNvPr>
@@ -2902,7 +2902,7 @@
             </a:lvl1pPr>
           </a:lstStyle>
           <a:p>
-            <a:fld id="{01A285DA-F9D5-429A-802F-77B6E94F90A3}" type="datetimeFigureOut">
+            <a:fld id="{D825A296-30DF-4468-9E10-C983528B209A}" type="datetimeFigureOut">
               <a:rPr lang="zh-CN" altLang="en-US" smtClean="0"/>
               <a:t>2024/3/10</a:t>
             </a:fld>
@@ -2915,7 +2915,7 @@
           <p:cNvPr id="5" name="页脚占位符 4">
             <a:extLst>
               <a:ext uri="{FF2B5EF4-FFF2-40B4-BE49-F238E27FC236}">
-                <a16:creationId xmlns:a16="http://schemas.microsoft.com/office/drawing/2014/main" id="{B18430C6-8556-7CB7-D8D7-62E1F7A2C68F}"/>
+                <a16:creationId xmlns:a16="http://schemas.microsoft.com/office/drawing/2014/main" id="{1A906B93-3381-1646-92C4-4F3C0DC479D9}"/>
               </a:ext>
             </a:extLst>
           </p:cNvPr>
@@ -2958,7 +2958,7 @@
           <p:cNvPr id="6" name="灯片编号占位符 5">
             <a:extLst>
               <a:ext uri="{FF2B5EF4-FFF2-40B4-BE49-F238E27FC236}">
-                <a16:creationId xmlns:a16="http://schemas.microsoft.com/office/drawing/2014/main" id="{1E5AE125-39BD-0B65-BE8F-6C8D23332B5E}"/>
+                <a16:creationId xmlns:a16="http://schemas.microsoft.com/office/drawing/2014/main" id="{BA8064B9-E5D8-731A-0FF7-E77ED6B14CED}"/>
               </a:ext>
             </a:extLst>
           </p:cNvPr>
@@ -2992,7 +2992,7 @@
             </a:lvl1pPr>
           </a:lstStyle>
           <a:p>
-            <a:fld id="{7916BD6D-760A-45C6-8935-300A04B892B7}" type="slidenum">
+            <a:fld id="{168EF2E6-8570-41F5-9056-77A1B25E542A}" type="slidenum">
               <a:rPr lang="zh-CN" altLang="en-US" smtClean="0"/>
               <a:t>‹#›</a:t>
             </a:fld>
@@ -3003,7 +3003,7 @@
     </p:spTree>
     <p:extLst>
       <p:ext uri="{BB962C8B-B14F-4D97-AF65-F5344CB8AC3E}">
-        <p14:creationId xmlns:p14="http://schemas.microsoft.com/office/powerpoint/2010/main" val="710917883"/>
+        <p14:creationId xmlns:p14="http://schemas.microsoft.com/office/powerpoint/2010/main" val="2676873029"/>
       </p:ext>
     </p:extLst>
   </p:cSld>
